--- a/PGMs.pptx
+++ b/PGMs.pptx
@@ -6,6 +6,7 @@
   </p:sldMasterIdLst>
   <p:sldIdLst>
     <p:sldId id="256" r:id="rId2"/>
+    <p:sldId id="257" r:id="rId3"/>
   </p:sldIdLst>
   <p:sldSz cx="12192000" cy="6858000"/>
   <p:notesSz cx="6858000" cy="9144000"/>
@@ -104,6 +105,11 @@
       </a:defRPr>
     </a:lvl9pPr>
   </p:defaultTextStyle>
+  <p:extLst>
+    <p:ext uri="{EFAFB233-063F-42B5-8137-9DF3F51BA10A}">
+      <p15:sldGuideLst xmlns:p15="http://schemas.microsoft.com/office/powerpoint/2012/main"/>
+    </p:ext>
+  </p:extLst>
 </p:presentation>
 </file>
 
@@ -256,7 +262,7 @@
           <a:p>
             <a:fld id="{7B11EBAF-203E-3E43-811B-CD753E43489C}" type="datetimeFigureOut">
               <a:rPr lang="en-DK" smtClean="0"/>
-              <a:t>07/04/2021</a:t>
+              <a:t>09/04/2021</a:t>
             </a:fld>
             <a:endParaRPr lang="en-DK"/>
           </a:p>
@@ -456,7 +462,7 @@
           <a:p>
             <a:fld id="{7B11EBAF-203E-3E43-811B-CD753E43489C}" type="datetimeFigureOut">
               <a:rPr lang="en-DK" smtClean="0"/>
-              <a:t>07/04/2021</a:t>
+              <a:t>09/04/2021</a:t>
             </a:fld>
             <a:endParaRPr lang="en-DK"/>
           </a:p>
@@ -666,7 +672,7 @@
           <a:p>
             <a:fld id="{7B11EBAF-203E-3E43-811B-CD753E43489C}" type="datetimeFigureOut">
               <a:rPr lang="en-DK" smtClean="0"/>
-              <a:t>07/04/2021</a:t>
+              <a:t>09/04/2021</a:t>
             </a:fld>
             <a:endParaRPr lang="en-DK"/>
           </a:p>
@@ -866,7 +872,7 @@
           <a:p>
             <a:fld id="{7B11EBAF-203E-3E43-811B-CD753E43489C}" type="datetimeFigureOut">
               <a:rPr lang="en-DK" smtClean="0"/>
-              <a:t>07/04/2021</a:t>
+              <a:t>09/04/2021</a:t>
             </a:fld>
             <a:endParaRPr lang="en-DK"/>
           </a:p>
@@ -1142,7 +1148,7 @@
           <a:p>
             <a:fld id="{7B11EBAF-203E-3E43-811B-CD753E43489C}" type="datetimeFigureOut">
               <a:rPr lang="en-DK" smtClean="0"/>
-              <a:t>07/04/2021</a:t>
+              <a:t>09/04/2021</a:t>
             </a:fld>
             <a:endParaRPr lang="en-DK"/>
           </a:p>
@@ -1410,7 +1416,7 @@
           <a:p>
             <a:fld id="{7B11EBAF-203E-3E43-811B-CD753E43489C}" type="datetimeFigureOut">
               <a:rPr lang="en-DK" smtClean="0"/>
-              <a:t>07/04/2021</a:t>
+              <a:t>09/04/2021</a:t>
             </a:fld>
             <a:endParaRPr lang="en-DK"/>
           </a:p>
@@ -1825,7 +1831,7 @@
           <a:p>
             <a:fld id="{7B11EBAF-203E-3E43-811B-CD753E43489C}" type="datetimeFigureOut">
               <a:rPr lang="en-DK" smtClean="0"/>
-              <a:t>07/04/2021</a:t>
+              <a:t>09/04/2021</a:t>
             </a:fld>
             <a:endParaRPr lang="en-DK"/>
           </a:p>
@@ -1967,7 +1973,7 @@
           <a:p>
             <a:fld id="{7B11EBAF-203E-3E43-811B-CD753E43489C}" type="datetimeFigureOut">
               <a:rPr lang="en-DK" smtClean="0"/>
-              <a:t>07/04/2021</a:t>
+              <a:t>09/04/2021</a:t>
             </a:fld>
             <a:endParaRPr lang="en-DK"/>
           </a:p>
@@ -2080,7 +2086,7 @@
           <a:p>
             <a:fld id="{7B11EBAF-203E-3E43-811B-CD753E43489C}" type="datetimeFigureOut">
               <a:rPr lang="en-DK" smtClean="0"/>
-              <a:t>07/04/2021</a:t>
+              <a:t>09/04/2021</a:t>
             </a:fld>
             <a:endParaRPr lang="en-DK"/>
           </a:p>
@@ -2393,7 +2399,7 @@
           <a:p>
             <a:fld id="{7B11EBAF-203E-3E43-811B-CD753E43489C}" type="datetimeFigureOut">
               <a:rPr lang="en-DK" smtClean="0"/>
-              <a:t>07/04/2021</a:t>
+              <a:t>09/04/2021</a:t>
             </a:fld>
             <a:endParaRPr lang="en-DK"/>
           </a:p>
@@ -2682,7 +2688,7 @@
           <a:p>
             <a:fld id="{7B11EBAF-203E-3E43-811B-CD753E43489C}" type="datetimeFigureOut">
               <a:rPr lang="en-DK" smtClean="0"/>
-              <a:t>07/04/2021</a:t>
+              <a:t>09/04/2021</a:t>
             </a:fld>
             <a:endParaRPr lang="en-DK"/>
           </a:p>
@@ -2925,7 +2931,7 @@
           <a:p>
             <a:fld id="{7B11EBAF-203E-3E43-811B-CD753E43489C}" type="datetimeFigureOut">
               <a:rPr lang="en-DK" smtClean="0"/>
-              <a:t>07/04/2021</a:t>
+              <a:t>09/04/2021</a:t>
             </a:fld>
             <a:endParaRPr lang="en-DK"/>
           </a:p>
@@ -3586,8 +3592,8 @@
           </a:p>
         </p:txBody>
       </p:sp>
-      <mc:AlternateContent xmlns:mc="http://schemas.openxmlformats.org/markup-compatibility/2006">
-        <mc:Choice xmlns:a14="http://schemas.microsoft.com/office/drawing/2010/main" Requires="a14">
+      <mc:AlternateContent xmlns:mc="http://schemas.openxmlformats.org/markup-compatibility/2006" xmlns:a14="http://schemas.microsoft.com/office/drawing/2010/main">
+        <mc:Choice Requires="a14">
           <p:sp>
             <p:nvSpPr>
               <p:cNvPr id="9" name="Oval 8">
@@ -3653,7 +3659,7 @@
             </p:txBody>
           </p:sp>
         </mc:Choice>
-        <mc:Fallback>
+        <mc:Fallback xmlns="">
           <p:sp>
             <p:nvSpPr>
               <p:cNvPr id="9" name="Oval 8">
@@ -3806,8 +3812,8 @@
           </a:p>
         </p:txBody>
       </p:sp>
-      <mc:AlternateContent xmlns:mc="http://schemas.openxmlformats.org/markup-compatibility/2006">
-        <mc:Choice xmlns:a14="http://schemas.microsoft.com/office/drawing/2010/main" Requires="a14">
+      <mc:AlternateContent xmlns:mc="http://schemas.openxmlformats.org/markup-compatibility/2006" xmlns:a14="http://schemas.microsoft.com/office/drawing/2010/main">
+        <mc:Choice Requires="a14">
           <p:sp>
             <p:nvSpPr>
               <p:cNvPr id="12" name="Rectangle 11">
@@ -3856,7 +3862,7 @@
             </p:txBody>
           </p:sp>
         </mc:Choice>
-        <mc:Fallback>
+        <mc:Fallback xmlns="">
           <p:sp>
             <p:nvSpPr>
               <p:cNvPr id="12" name="Rectangle 11">
@@ -3952,8 +3958,8 @@
           </a:p>
         </p:txBody>
       </p:sp>
-      <mc:AlternateContent xmlns:mc="http://schemas.openxmlformats.org/markup-compatibility/2006">
-        <mc:Choice xmlns:a14="http://schemas.microsoft.com/office/drawing/2010/main" Requires="a14">
+      <mc:AlternateContent xmlns:mc="http://schemas.openxmlformats.org/markup-compatibility/2006" xmlns:a14="http://schemas.microsoft.com/office/drawing/2010/main">
+        <mc:Choice Requires="a14">
           <p:sp>
             <p:nvSpPr>
               <p:cNvPr id="14" name="Rectangle 13">
@@ -4002,7 +4008,7 @@
             </p:txBody>
           </p:sp>
         </mc:Choice>
-        <mc:Fallback>
+        <mc:Fallback xmlns="">
           <p:sp>
             <p:nvSpPr>
               <p:cNvPr id="14" name="Rectangle 13">
@@ -4098,8 +4104,8 @@
           </a:p>
         </p:txBody>
       </p:sp>
-      <mc:AlternateContent xmlns:mc="http://schemas.openxmlformats.org/markup-compatibility/2006">
-        <mc:Choice xmlns:a14="http://schemas.microsoft.com/office/drawing/2010/main" Requires="a14">
+      <mc:AlternateContent xmlns:mc="http://schemas.openxmlformats.org/markup-compatibility/2006" xmlns:a14="http://schemas.microsoft.com/office/drawing/2010/main">
+        <mc:Choice Requires="a14">
           <p:sp>
             <p:nvSpPr>
               <p:cNvPr id="20" name="Rectangle 19">
@@ -4148,7 +4154,7 @@
             </p:txBody>
           </p:sp>
         </mc:Choice>
-        <mc:Fallback>
+        <mc:Fallback xmlns="">
           <p:sp>
             <p:nvSpPr>
               <p:cNvPr id="20" name="Rectangle 19">
@@ -4635,8 +4641,8 @@
           </a:p>
         </p:txBody>
       </p:sp>
-      <mc:AlternateContent xmlns:mc="http://schemas.openxmlformats.org/markup-compatibility/2006">
-        <mc:Choice xmlns:a14="http://schemas.microsoft.com/office/drawing/2010/main" Requires="a14">
+      <mc:AlternateContent xmlns:mc="http://schemas.openxmlformats.org/markup-compatibility/2006" xmlns:a14="http://schemas.microsoft.com/office/drawing/2010/main">
+        <mc:Choice Requires="a14">
           <p:sp>
             <p:nvSpPr>
               <p:cNvPr id="41" name="Rectangle 40">
@@ -4685,7 +4691,7 @@
             </p:txBody>
           </p:sp>
         </mc:Choice>
-        <mc:Fallback>
+        <mc:Fallback xmlns="">
           <p:sp>
             <p:nvSpPr>
               <p:cNvPr id="41" name="Rectangle 40">
@@ -4818,6 +4824,1897 @@
     <p:extLst>
       <p:ext uri="{BB962C8B-B14F-4D97-AF65-F5344CB8AC3E}">
         <p14:creationId xmlns:p14="http://schemas.microsoft.com/office/powerpoint/2010/main" val="3113596438"/>
+      </p:ext>
+    </p:extLst>
+  </p:cSld>
+  <p:clrMapOvr>
+    <a:masterClrMapping/>
+  </p:clrMapOvr>
+</p:sld>
+</file>
+
+<file path=ppt/slides/slide2.xml><?xml version="1.0" encoding="utf-8"?>
+<p:sld xmlns:a="http://schemas.openxmlformats.org/drawingml/2006/main" xmlns:r="http://schemas.openxmlformats.org/officeDocument/2006/relationships" xmlns:p="http://schemas.openxmlformats.org/presentationml/2006/main">
+  <p:cSld>
+    <p:spTree>
+      <p:nvGrpSpPr>
+        <p:cNvPr id="1" name=""/>
+        <p:cNvGrpSpPr/>
+        <p:nvPr/>
+      </p:nvGrpSpPr>
+      <p:grpSpPr>
+        <a:xfrm>
+          <a:off x="0" y="0"/>
+          <a:ext cx="0" cy="0"/>
+          <a:chOff x="0" y="0"/>
+          <a:chExt cx="0" cy="0"/>
+        </a:xfrm>
+      </p:grpSpPr>
+      <p:grpSp>
+        <p:nvGrpSpPr>
+          <p:cNvPr id="67" name="Group 66">
+            <a:extLst>
+              <a:ext uri="{FF2B5EF4-FFF2-40B4-BE49-F238E27FC236}">
+                <a16:creationId xmlns:a16="http://schemas.microsoft.com/office/drawing/2014/main" id="{590031A9-FE98-AC42-9785-9A04761CC75A}"/>
+              </a:ext>
+            </a:extLst>
+          </p:cNvPr>
+          <p:cNvGrpSpPr/>
+          <p:nvPr/>
+        </p:nvGrpSpPr>
+        <p:grpSpPr>
+          <a:xfrm>
+            <a:off x="1365050" y="1028079"/>
+            <a:ext cx="7796265" cy="5048230"/>
+            <a:chOff x="1365050" y="1028079"/>
+            <a:chExt cx="7796265" cy="5048230"/>
+          </a:xfrm>
+        </p:grpSpPr>
+        <p:sp>
+          <p:nvSpPr>
+            <p:cNvPr id="27" name="Rounded Rectangle 26">
+              <a:extLst>
+                <a:ext uri="{FF2B5EF4-FFF2-40B4-BE49-F238E27FC236}">
+                  <a16:creationId xmlns:a16="http://schemas.microsoft.com/office/drawing/2014/main" id="{C33CE45D-FE41-7347-810F-314C56C8036F}"/>
+                </a:ext>
+              </a:extLst>
+            </p:cNvPr>
+            <p:cNvSpPr/>
+            <p:nvPr/>
+          </p:nvSpPr>
+          <p:spPr>
+            <a:xfrm>
+              <a:off x="6400800" y="2620420"/>
+              <a:ext cx="1444273" cy="1557074"/>
+            </a:xfrm>
+            <a:prstGeom prst="roundRect">
+              <a:avLst/>
+            </a:prstGeom>
+            <a:solidFill>
+              <a:schemeClr val="bg1">
+                <a:lumMod val="85000"/>
+              </a:schemeClr>
+            </a:solidFill>
+            <a:ln>
+              <a:solidFill>
+                <a:schemeClr val="bg1"/>
+              </a:solidFill>
+            </a:ln>
+          </p:spPr>
+          <p:style>
+            <a:lnRef idx="1">
+              <a:schemeClr val="accent3"/>
+            </a:lnRef>
+            <a:fillRef idx="2">
+              <a:schemeClr val="accent3"/>
+            </a:fillRef>
+            <a:effectRef idx="1">
+              <a:schemeClr val="accent3"/>
+            </a:effectRef>
+            <a:fontRef idx="minor">
+              <a:schemeClr val="dk1"/>
+            </a:fontRef>
+          </p:style>
+          <p:txBody>
+            <a:bodyPr rtlCol="0" anchor="ctr"/>
+            <a:lstStyle/>
+            <a:p>
+              <a:pPr algn="ctr"/>
+              <a:endParaRPr lang="en-DK"/>
+            </a:p>
+          </p:txBody>
+        </p:sp>
+        <p:sp>
+          <p:nvSpPr>
+            <p:cNvPr id="4" name="Rounded Rectangle 3">
+              <a:extLst>
+                <a:ext uri="{FF2B5EF4-FFF2-40B4-BE49-F238E27FC236}">
+                  <a16:creationId xmlns:a16="http://schemas.microsoft.com/office/drawing/2014/main" id="{58ADFCF6-4E5E-EE41-9878-C0C92C484BC8}"/>
+                </a:ext>
+              </a:extLst>
+            </p:cNvPr>
+            <p:cNvSpPr/>
+            <p:nvPr/>
+          </p:nvSpPr>
+          <p:spPr>
+            <a:xfrm>
+              <a:off x="2441239" y="1028079"/>
+              <a:ext cx="3654761" cy="4195275"/>
+            </a:xfrm>
+            <a:prstGeom prst="roundRect">
+              <a:avLst/>
+            </a:prstGeom>
+            <a:solidFill>
+              <a:schemeClr val="bg1">
+                <a:lumMod val="85000"/>
+              </a:schemeClr>
+            </a:solidFill>
+            <a:ln>
+              <a:solidFill>
+                <a:schemeClr val="bg1"/>
+              </a:solidFill>
+            </a:ln>
+          </p:spPr>
+          <p:style>
+            <a:lnRef idx="1">
+              <a:schemeClr val="accent3"/>
+            </a:lnRef>
+            <a:fillRef idx="2">
+              <a:schemeClr val="accent3"/>
+            </a:fillRef>
+            <a:effectRef idx="1">
+              <a:schemeClr val="accent3"/>
+            </a:effectRef>
+            <a:fontRef idx="minor">
+              <a:schemeClr val="dk1"/>
+            </a:fontRef>
+          </p:style>
+          <p:txBody>
+            <a:bodyPr rtlCol="0" anchor="ctr"/>
+            <a:lstStyle/>
+            <a:p>
+              <a:pPr algn="ctr"/>
+              <a:endParaRPr lang="en-DK"/>
+            </a:p>
+          </p:txBody>
+        </p:sp>
+        <mc:AlternateContent xmlns:mc="http://schemas.openxmlformats.org/markup-compatibility/2006">
+          <mc:Choice xmlns:a14="http://schemas.microsoft.com/office/drawing/2010/main" Requires="a14">
+            <p:sp>
+              <p:nvSpPr>
+                <p:cNvPr id="5" name="Oval 4">
+                  <a:extLst>
+                    <a:ext uri="{FF2B5EF4-FFF2-40B4-BE49-F238E27FC236}">
+                      <a16:creationId xmlns:a16="http://schemas.microsoft.com/office/drawing/2014/main" id="{8E763137-2C1C-B44B-87FD-01C13033FDAE}"/>
+                    </a:ext>
+                  </a:extLst>
+                </p:cNvPr>
+                <p:cNvSpPr/>
+                <p:nvPr/>
+              </p:nvSpPr>
+              <p:spPr>
+                <a:xfrm>
+                  <a:off x="4383857" y="4215072"/>
+                  <a:ext cx="618744" cy="618744"/>
+                </a:xfrm>
+                <a:prstGeom prst="ellipse">
+                  <a:avLst/>
+                </a:prstGeom>
+                <a:solidFill>
+                  <a:schemeClr val="bg1">
+                    <a:lumMod val="75000"/>
+                  </a:schemeClr>
+                </a:solidFill>
+                <a:ln>
+                  <a:solidFill>
+                    <a:schemeClr val="tx1"/>
+                  </a:solidFill>
+                </a:ln>
+              </p:spPr>
+              <p:style>
+                <a:lnRef idx="2">
+                  <a:schemeClr val="accent6"/>
+                </a:lnRef>
+                <a:fillRef idx="1">
+                  <a:schemeClr val="lt1"/>
+                </a:fillRef>
+                <a:effectRef idx="0">
+                  <a:schemeClr val="accent6"/>
+                </a:effectRef>
+                <a:fontRef idx="minor">
+                  <a:schemeClr val="dk1"/>
+                </a:fontRef>
+              </p:style>
+              <p:txBody>
+                <a:bodyPr rtlCol="0" anchor="ctr"/>
+                <a:lstStyle/>
+                <a:p>
+                  <a:pPr algn="ctr"/>
+                  <a14:m>
+                    <m:oMathPara xmlns:m="http://schemas.openxmlformats.org/officeDocument/2006/math">
+                      <m:oMathParaPr>
+                        <m:jc m:val="centerGroup"/>
+                      </m:oMathParaPr>
+                      <m:oMath xmlns:m="http://schemas.openxmlformats.org/officeDocument/2006/math">
+                        <m:sSub>
+                          <m:sSubPr>
+                            <m:ctrlPr>
+                              <a:rPr lang="da-DK" b="0" i="1" smtClean="0">
+                                <a:latin typeface="Cambria Math" panose="02040503050406030204" pitchFamily="18" charset="0"/>
+                              </a:rPr>
+                            </m:ctrlPr>
+                          </m:sSubPr>
+                          <m:e>
+                            <m:r>
+                              <a:rPr lang="da-DK" b="0" i="1" smtClean="0">
+                                <a:latin typeface="Cambria Math" panose="02040503050406030204" pitchFamily="18" charset="0"/>
+                              </a:rPr>
+                              <m:t>𝑦</m:t>
+                            </m:r>
+                          </m:e>
+                          <m:sub>
+                            <m:r>
+                              <a:rPr lang="da-DK" b="0" i="1" smtClean="0">
+                                <a:latin typeface="Cambria Math" panose="02040503050406030204" pitchFamily="18" charset="0"/>
+                              </a:rPr>
+                              <m:t>𝑛</m:t>
+                            </m:r>
+                          </m:sub>
+                        </m:sSub>
+                      </m:oMath>
+                    </m:oMathPara>
+                  </a14:m>
+                  <a:endParaRPr lang="en-DK" dirty="0"/>
+                </a:p>
+              </p:txBody>
+            </p:sp>
+          </mc:Choice>
+          <mc:Fallback>
+            <p:sp>
+              <p:nvSpPr>
+                <p:cNvPr id="5" name="Oval 4">
+                  <a:extLst>
+                    <a:ext uri="{FF2B5EF4-FFF2-40B4-BE49-F238E27FC236}">
+                      <a16:creationId xmlns:a16="http://schemas.microsoft.com/office/drawing/2014/main" id="{8E763137-2C1C-B44B-87FD-01C13033FDAE}"/>
+                    </a:ext>
+                  </a:extLst>
+                </p:cNvPr>
+                <p:cNvSpPr>
+                  <a:spLocks noRot="1" noChangeAspect="1" noMove="1" noResize="1" noEditPoints="1" noAdjustHandles="1" noChangeArrowheads="1" noChangeShapeType="1" noTextEdit="1"/>
+                </p:cNvSpPr>
+                <p:nvPr/>
+              </p:nvSpPr>
+              <p:spPr>
+                <a:xfrm>
+                  <a:off x="4383857" y="4215072"/>
+                  <a:ext cx="618744" cy="618744"/>
+                </a:xfrm>
+                <a:prstGeom prst="ellipse">
+                  <a:avLst/>
+                </a:prstGeom>
+                <a:blipFill>
+                  <a:blip r:embed="rId2"/>
+                  <a:stretch>
+                    <a:fillRect/>
+                  </a:stretch>
+                </a:blipFill>
+                <a:ln>
+                  <a:solidFill>
+                    <a:schemeClr val="tx1"/>
+                  </a:solidFill>
+                </a:ln>
+              </p:spPr>
+              <p:txBody>
+                <a:bodyPr/>
+                <a:lstStyle/>
+                <a:p>
+                  <a:r>
+                    <a:rPr lang="en-DK">
+                      <a:noFill/>
+                    </a:rPr>
+                    <a:t> </a:t>
+                  </a:r>
+                </a:p>
+              </p:txBody>
+            </p:sp>
+          </mc:Fallback>
+        </mc:AlternateContent>
+        <mc:AlternateContent xmlns:mc="http://schemas.openxmlformats.org/markup-compatibility/2006">
+          <mc:Choice xmlns:a14="http://schemas.microsoft.com/office/drawing/2010/main" Requires="a14">
+            <p:sp>
+              <p:nvSpPr>
+                <p:cNvPr id="6" name="Oval 5">
+                  <a:extLst>
+                    <a:ext uri="{FF2B5EF4-FFF2-40B4-BE49-F238E27FC236}">
+                      <a16:creationId xmlns:a16="http://schemas.microsoft.com/office/drawing/2014/main" id="{8FC1CF27-F2FF-8043-B010-6972069F0CF5}"/>
+                    </a:ext>
+                  </a:extLst>
+                </p:cNvPr>
+                <p:cNvSpPr/>
+                <p:nvPr/>
+              </p:nvSpPr>
+              <p:spPr>
+                <a:xfrm>
+                  <a:off x="4383857" y="1250947"/>
+                  <a:ext cx="618744" cy="618744"/>
+                </a:xfrm>
+                <a:prstGeom prst="ellipse">
+                  <a:avLst/>
+                </a:prstGeom>
+                <a:solidFill>
+                  <a:schemeClr val="bg1">
+                    <a:lumMod val="75000"/>
+                  </a:schemeClr>
+                </a:solidFill>
+                <a:ln>
+                  <a:solidFill>
+                    <a:schemeClr val="tx1"/>
+                  </a:solidFill>
+                </a:ln>
+              </p:spPr>
+              <p:style>
+                <a:lnRef idx="2">
+                  <a:schemeClr val="accent6"/>
+                </a:lnRef>
+                <a:fillRef idx="1">
+                  <a:schemeClr val="lt1"/>
+                </a:fillRef>
+                <a:effectRef idx="0">
+                  <a:schemeClr val="accent6"/>
+                </a:effectRef>
+                <a:fontRef idx="minor">
+                  <a:schemeClr val="dk1"/>
+                </a:fontRef>
+              </p:style>
+              <p:txBody>
+                <a:bodyPr rtlCol="0" anchor="ctr"/>
+                <a:lstStyle/>
+                <a:p>
+                  <a:pPr algn="ctr"/>
+                  <a14:m>
+                    <m:oMathPara xmlns:m="http://schemas.openxmlformats.org/officeDocument/2006/math">
+                      <m:oMathParaPr>
+                        <m:jc m:val="centerGroup"/>
+                      </m:oMathParaPr>
+                      <m:oMath xmlns:m="http://schemas.openxmlformats.org/officeDocument/2006/math">
+                        <m:sSub>
+                          <m:sSubPr>
+                            <m:ctrlPr>
+                              <a:rPr lang="da-DK" b="0" i="1" smtClean="0">
+                                <a:latin typeface="Cambria Math" panose="02040503050406030204" pitchFamily="18" charset="0"/>
+                              </a:rPr>
+                            </m:ctrlPr>
+                          </m:sSubPr>
+                          <m:e>
+                            <m:r>
+                              <a:rPr lang="da-DK" b="0" i="1" smtClean="0">
+                                <a:latin typeface="Cambria Math" panose="02040503050406030204" pitchFamily="18" charset="0"/>
+                              </a:rPr>
+                              <m:t>𝑋</m:t>
+                            </m:r>
+                          </m:e>
+                          <m:sub>
+                            <m:r>
+                              <a:rPr lang="da-DK" b="0" i="1" smtClean="0">
+                                <a:latin typeface="Cambria Math" panose="02040503050406030204" pitchFamily="18" charset="0"/>
+                              </a:rPr>
+                              <m:t>𝑛</m:t>
+                            </m:r>
+                          </m:sub>
+                        </m:sSub>
+                      </m:oMath>
+                    </m:oMathPara>
+                  </a14:m>
+                  <a:endParaRPr lang="en-DK" dirty="0"/>
+                </a:p>
+              </p:txBody>
+            </p:sp>
+          </mc:Choice>
+          <mc:Fallback>
+            <p:sp>
+              <p:nvSpPr>
+                <p:cNvPr id="6" name="Oval 5">
+                  <a:extLst>
+                    <a:ext uri="{FF2B5EF4-FFF2-40B4-BE49-F238E27FC236}">
+                      <a16:creationId xmlns:a16="http://schemas.microsoft.com/office/drawing/2014/main" id="{8FC1CF27-F2FF-8043-B010-6972069F0CF5}"/>
+                    </a:ext>
+                  </a:extLst>
+                </p:cNvPr>
+                <p:cNvSpPr>
+                  <a:spLocks noRot="1" noChangeAspect="1" noMove="1" noResize="1" noEditPoints="1" noAdjustHandles="1" noChangeArrowheads="1" noChangeShapeType="1" noTextEdit="1"/>
+                </p:cNvSpPr>
+                <p:nvPr/>
+              </p:nvSpPr>
+              <p:spPr>
+                <a:xfrm>
+                  <a:off x="4383857" y="1250947"/>
+                  <a:ext cx="618744" cy="618744"/>
+                </a:xfrm>
+                <a:prstGeom prst="ellipse">
+                  <a:avLst/>
+                </a:prstGeom>
+                <a:blipFill>
+                  <a:blip r:embed="rId3"/>
+                  <a:stretch>
+                    <a:fillRect/>
+                  </a:stretch>
+                </a:blipFill>
+                <a:ln>
+                  <a:solidFill>
+                    <a:schemeClr val="tx1"/>
+                  </a:solidFill>
+                </a:ln>
+              </p:spPr>
+              <p:txBody>
+                <a:bodyPr/>
+                <a:lstStyle/>
+                <a:p>
+                  <a:r>
+                    <a:rPr lang="en-DK">
+                      <a:noFill/>
+                    </a:rPr>
+                    <a:t> </a:t>
+                  </a:r>
+                </a:p>
+              </p:txBody>
+            </p:sp>
+          </mc:Fallback>
+        </mc:AlternateContent>
+        <mc:AlternateContent xmlns:mc="http://schemas.openxmlformats.org/markup-compatibility/2006">
+          <mc:Choice xmlns:a14="http://schemas.microsoft.com/office/drawing/2010/main" Requires="a14">
+            <p:sp>
+              <p:nvSpPr>
+                <p:cNvPr id="9" name="Oval 8">
+                  <a:extLst>
+                    <a:ext uri="{FF2B5EF4-FFF2-40B4-BE49-F238E27FC236}">
+                      <a16:creationId xmlns:a16="http://schemas.microsoft.com/office/drawing/2014/main" id="{F15BBEFB-2A91-A945-A759-E67B8E5E1BB5}"/>
+                    </a:ext>
+                  </a:extLst>
+                </p:cNvPr>
+                <p:cNvSpPr/>
+                <p:nvPr/>
+              </p:nvSpPr>
+              <p:spPr>
+                <a:xfrm>
+                  <a:off x="6813564" y="3039591"/>
+                  <a:ext cx="618744" cy="618744"/>
+                </a:xfrm>
+                <a:prstGeom prst="ellipse">
+                  <a:avLst/>
+                </a:prstGeom>
+                <a:ln>
+                  <a:solidFill>
+                    <a:schemeClr val="tx1"/>
+                  </a:solidFill>
+                </a:ln>
+              </p:spPr>
+              <p:style>
+                <a:lnRef idx="2">
+                  <a:schemeClr val="accent6"/>
+                </a:lnRef>
+                <a:fillRef idx="1">
+                  <a:schemeClr val="lt1"/>
+                </a:fillRef>
+                <a:effectRef idx="0">
+                  <a:schemeClr val="accent6"/>
+                </a:effectRef>
+                <a:fontRef idx="minor">
+                  <a:schemeClr val="dk1"/>
+                </a:fontRef>
+              </p:style>
+              <p:txBody>
+                <a:bodyPr rtlCol="0" anchor="ctr"/>
+                <a:lstStyle/>
+                <a:p>
+                  <a:pPr algn="ctr"/>
+                  <a14:m>
+                    <m:oMathPara xmlns:m="http://schemas.openxmlformats.org/officeDocument/2006/math">
+                      <m:oMathParaPr>
+                        <m:jc m:val="centerGroup"/>
+                      </m:oMathParaPr>
+                      <m:oMath xmlns:m="http://schemas.openxmlformats.org/officeDocument/2006/math">
+                        <m:sSup>
+                          <m:sSupPr>
+                            <m:ctrlPr>
+                              <a:rPr lang="da-DK" b="0" i="1" smtClean="0">
+                                <a:latin typeface="Cambria Math" panose="02040503050406030204" pitchFamily="18" charset="0"/>
+                              </a:rPr>
+                            </m:ctrlPr>
+                          </m:sSupPr>
+                          <m:e>
+                            <m:r>
+                              <a:rPr lang="da-DK" b="0" i="1" smtClean="0">
+                                <a:latin typeface="Cambria Math" panose="02040503050406030204" pitchFamily="18" charset="0"/>
+                              </a:rPr>
+                              <m:t>𝛽</m:t>
+                            </m:r>
+                          </m:e>
+                          <m:sup>
+                            <m:r>
+                              <a:rPr lang="da-DK" b="0" i="1" smtClean="0">
+                                <a:latin typeface="Cambria Math" panose="02040503050406030204" pitchFamily="18" charset="0"/>
+                              </a:rPr>
+                              <m:t>𝑘</m:t>
+                            </m:r>
+                          </m:sup>
+                        </m:sSup>
+                      </m:oMath>
+                    </m:oMathPara>
+                  </a14:m>
+                  <a:endParaRPr lang="en-DK" dirty="0"/>
+                </a:p>
+              </p:txBody>
+            </p:sp>
+          </mc:Choice>
+          <mc:Fallback>
+            <p:sp>
+              <p:nvSpPr>
+                <p:cNvPr id="9" name="Oval 8">
+                  <a:extLst>
+                    <a:ext uri="{FF2B5EF4-FFF2-40B4-BE49-F238E27FC236}">
+                      <a16:creationId xmlns:a16="http://schemas.microsoft.com/office/drawing/2014/main" id="{F15BBEFB-2A91-A945-A759-E67B8E5E1BB5}"/>
+                    </a:ext>
+                  </a:extLst>
+                </p:cNvPr>
+                <p:cNvSpPr>
+                  <a:spLocks noRot="1" noChangeAspect="1" noMove="1" noResize="1" noEditPoints="1" noAdjustHandles="1" noChangeArrowheads="1" noChangeShapeType="1" noTextEdit="1"/>
+                </p:cNvSpPr>
+                <p:nvPr/>
+              </p:nvSpPr>
+              <p:spPr>
+                <a:xfrm>
+                  <a:off x="6813564" y="3039591"/>
+                  <a:ext cx="618744" cy="618744"/>
+                </a:xfrm>
+                <a:prstGeom prst="ellipse">
+                  <a:avLst/>
+                </a:prstGeom>
+                <a:blipFill>
+                  <a:blip r:embed="rId4"/>
+                  <a:stretch>
+                    <a:fillRect/>
+                  </a:stretch>
+                </a:blipFill>
+                <a:ln>
+                  <a:solidFill>
+                    <a:schemeClr val="tx1"/>
+                  </a:solidFill>
+                </a:ln>
+              </p:spPr>
+              <p:txBody>
+                <a:bodyPr/>
+                <a:lstStyle/>
+                <a:p>
+                  <a:r>
+                    <a:rPr lang="en-DK">
+                      <a:noFill/>
+                    </a:rPr>
+                    <a:t> </a:t>
+                  </a:r>
+                </a:p>
+              </p:txBody>
+            </p:sp>
+          </mc:Fallback>
+        </mc:AlternateContent>
+        <p:sp>
+          <p:nvSpPr>
+            <p:cNvPr id="11" name="Oval 10">
+              <a:extLst>
+                <a:ext uri="{FF2B5EF4-FFF2-40B4-BE49-F238E27FC236}">
+                  <a16:creationId xmlns:a16="http://schemas.microsoft.com/office/drawing/2014/main" id="{5A105B16-A123-4845-A21A-1A23981F7D92}"/>
+                </a:ext>
+              </a:extLst>
+            </p:cNvPr>
+            <p:cNvSpPr/>
+            <p:nvPr/>
+          </p:nvSpPr>
+          <p:spPr>
+            <a:xfrm>
+              <a:off x="8479295" y="2859197"/>
+              <a:ext cx="304800" cy="304800"/>
+            </a:xfrm>
+            <a:prstGeom prst="ellipse">
+              <a:avLst/>
+            </a:prstGeom>
+            <a:ln>
+              <a:solidFill>
+                <a:schemeClr val="tx1"/>
+              </a:solidFill>
+            </a:ln>
+          </p:spPr>
+          <p:style>
+            <a:lnRef idx="2">
+              <a:schemeClr val="dk1">
+                <a:shade val="50000"/>
+              </a:schemeClr>
+            </a:lnRef>
+            <a:fillRef idx="1">
+              <a:schemeClr val="dk1"/>
+            </a:fillRef>
+            <a:effectRef idx="0">
+              <a:schemeClr val="dk1"/>
+            </a:effectRef>
+            <a:fontRef idx="minor">
+              <a:schemeClr val="lt1"/>
+            </a:fontRef>
+          </p:style>
+          <p:txBody>
+            <a:bodyPr rtlCol="0" anchor="ctr"/>
+            <a:lstStyle/>
+            <a:p>
+              <a:pPr algn="ctr"/>
+              <a:endParaRPr lang="en-DK"/>
+            </a:p>
+          </p:txBody>
+        </p:sp>
+        <mc:AlternateContent xmlns:mc="http://schemas.openxmlformats.org/markup-compatibility/2006">
+          <mc:Choice xmlns:a14="http://schemas.microsoft.com/office/drawing/2010/main" Requires="a14">
+            <p:sp>
+              <p:nvSpPr>
+                <p:cNvPr id="12" name="Rectangle 11">
+                  <a:extLst>
+                    <a:ext uri="{FF2B5EF4-FFF2-40B4-BE49-F238E27FC236}">
+                      <a16:creationId xmlns:a16="http://schemas.microsoft.com/office/drawing/2014/main" id="{3ADE666F-4786-2F45-AC0F-9BCA706BF7A4}"/>
+                    </a:ext>
+                  </a:extLst>
+                </p:cNvPr>
+                <p:cNvSpPr/>
+                <p:nvPr/>
+              </p:nvSpPr>
+              <p:spPr>
+                <a:xfrm>
+                  <a:off x="8795222" y="2826931"/>
+                  <a:ext cx="361766" cy="369332"/>
+                </a:xfrm>
+                <a:prstGeom prst="rect">
+                  <a:avLst/>
+                </a:prstGeom>
+              </p:spPr>
+              <p:txBody>
+                <a:bodyPr wrap="none">
+                  <a:spAutoFit/>
+                </a:bodyPr>
+                <a:lstStyle/>
+                <a:p>
+                  <a:pPr algn="ctr"/>
+                  <a14:m>
+                    <m:oMathPara xmlns:m="http://schemas.openxmlformats.org/officeDocument/2006/math">
+                      <m:oMathParaPr>
+                        <m:jc m:val="centerGroup"/>
+                      </m:oMathParaPr>
+                      <m:oMath xmlns:m="http://schemas.openxmlformats.org/officeDocument/2006/math">
+                        <m:r>
+                          <a:rPr lang="da-DK" b="0" i="1" smtClean="0">
+                            <a:latin typeface="Cambria Math" panose="02040503050406030204" pitchFamily="18" charset="0"/>
+                          </a:rPr>
+                          <m:t>𝜆</m:t>
+                        </m:r>
+                      </m:oMath>
+                    </m:oMathPara>
+                  </a14:m>
+                  <a:endParaRPr lang="en-DK" dirty="0"/>
+                </a:p>
+              </p:txBody>
+            </p:sp>
+          </mc:Choice>
+          <mc:Fallback>
+            <p:sp>
+              <p:nvSpPr>
+                <p:cNvPr id="12" name="Rectangle 11">
+                  <a:extLst>
+                    <a:ext uri="{FF2B5EF4-FFF2-40B4-BE49-F238E27FC236}">
+                      <a16:creationId xmlns:a16="http://schemas.microsoft.com/office/drawing/2014/main" id="{3ADE666F-4786-2F45-AC0F-9BCA706BF7A4}"/>
+                    </a:ext>
+                  </a:extLst>
+                </p:cNvPr>
+                <p:cNvSpPr>
+                  <a:spLocks noRot="1" noChangeAspect="1" noMove="1" noResize="1" noEditPoints="1" noAdjustHandles="1" noChangeArrowheads="1" noChangeShapeType="1" noTextEdit="1"/>
+                </p:cNvSpPr>
+                <p:nvPr/>
+              </p:nvSpPr>
+              <p:spPr>
+                <a:xfrm>
+                  <a:off x="8795222" y="2826931"/>
+                  <a:ext cx="361766" cy="369332"/>
+                </a:xfrm>
+                <a:prstGeom prst="rect">
+                  <a:avLst/>
+                </a:prstGeom>
+                <a:blipFill>
+                  <a:blip r:embed="rId5"/>
+                  <a:stretch>
+                    <a:fillRect/>
+                  </a:stretch>
+                </a:blipFill>
+              </p:spPr>
+              <p:txBody>
+                <a:bodyPr/>
+                <a:lstStyle/>
+                <a:p>
+                  <a:r>
+                    <a:rPr lang="en-DK">
+                      <a:noFill/>
+                    </a:rPr>
+                    <a:t> </a:t>
+                  </a:r>
+                </a:p>
+              </p:txBody>
+            </p:sp>
+          </mc:Fallback>
+        </mc:AlternateContent>
+        <p:sp>
+          <p:nvSpPr>
+            <p:cNvPr id="19" name="Oval 18">
+              <a:extLst>
+                <a:ext uri="{FF2B5EF4-FFF2-40B4-BE49-F238E27FC236}">
+                  <a16:creationId xmlns:a16="http://schemas.microsoft.com/office/drawing/2014/main" id="{014ED11F-B536-2248-B656-53F23CE7A1F1}"/>
+                </a:ext>
+              </a:extLst>
+            </p:cNvPr>
+            <p:cNvSpPr/>
+            <p:nvPr/>
+          </p:nvSpPr>
+          <p:spPr>
+            <a:xfrm>
+              <a:off x="2903701" y="3199944"/>
+              <a:ext cx="304800" cy="304800"/>
+            </a:xfrm>
+            <a:prstGeom prst="ellipse">
+              <a:avLst/>
+            </a:prstGeom>
+            <a:ln>
+              <a:solidFill>
+                <a:schemeClr val="tx1"/>
+              </a:solidFill>
+            </a:ln>
+          </p:spPr>
+          <p:style>
+            <a:lnRef idx="2">
+              <a:schemeClr val="dk1">
+                <a:shade val="50000"/>
+              </a:schemeClr>
+            </a:lnRef>
+            <a:fillRef idx="1">
+              <a:schemeClr val="dk1"/>
+            </a:fillRef>
+            <a:effectRef idx="0">
+              <a:schemeClr val="dk1"/>
+            </a:effectRef>
+            <a:fontRef idx="minor">
+              <a:schemeClr val="lt1"/>
+            </a:fontRef>
+          </p:style>
+          <p:txBody>
+            <a:bodyPr rtlCol="0" anchor="ctr"/>
+            <a:lstStyle/>
+            <a:p>
+              <a:pPr algn="ctr"/>
+              <a:endParaRPr lang="en-DK"/>
+            </a:p>
+          </p:txBody>
+        </p:sp>
+        <mc:AlternateContent xmlns:mc="http://schemas.openxmlformats.org/markup-compatibility/2006">
+          <mc:Choice xmlns:a14="http://schemas.microsoft.com/office/drawing/2010/main" Requires="a14">
+            <p:sp>
+              <p:nvSpPr>
+                <p:cNvPr id="20" name="Rectangle 19">
+                  <a:extLst>
+                    <a:ext uri="{FF2B5EF4-FFF2-40B4-BE49-F238E27FC236}">
+                      <a16:creationId xmlns:a16="http://schemas.microsoft.com/office/drawing/2014/main" id="{0AC5B84C-378E-DD43-A4BE-69F4256E6CEF}"/>
+                    </a:ext>
+                  </a:extLst>
+                </p:cNvPr>
+                <p:cNvSpPr/>
+                <p:nvPr/>
+              </p:nvSpPr>
+              <p:spPr>
+                <a:xfrm>
+                  <a:off x="2906105" y="2766080"/>
+                  <a:ext cx="507062" cy="369332"/>
+                </a:xfrm>
+                <a:prstGeom prst="rect">
+                  <a:avLst/>
+                </a:prstGeom>
+              </p:spPr>
+              <p:txBody>
+                <a:bodyPr wrap="none">
+                  <a:spAutoFit/>
+                </a:bodyPr>
+                <a:lstStyle/>
+                <a:p>
+                  <a:pPr algn="ctr"/>
+                  <a14:m>
+                    <m:oMathPara xmlns:m="http://schemas.openxmlformats.org/officeDocument/2006/math">
+                      <m:oMathParaPr>
+                        <m:jc m:val="centerGroup"/>
+                      </m:oMathParaPr>
+                      <m:oMath xmlns:m="http://schemas.openxmlformats.org/officeDocument/2006/math">
+                        <m:sSub>
+                          <m:sSubPr>
+                            <m:ctrlPr>
+                              <a:rPr lang="da-DK" b="0" i="1" smtClean="0">
+                                <a:latin typeface="Cambria Math" panose="02040503050406030204" pitchFamily="18" charset="0"/>
+                                <a:ea typeface="Cambria Math" panose="02040503050406030204" pitchFamily="18" charset="0"/>
+                              </a:rPr>
+                            </m:ctrlPr>
+                          </m:sSubPr>
+                          <m:e>
+                            <m:r>
+                              <a:rPr lang="da-DK" b="0" i="1" smtClean="0">
+                                <a:latin typeface="Cambria Math" panose="02040503050406030204" pitchFamily="18" charset="0"/>
+                                <a:ea typeface="Cambria Math" panose="02040503050406030204" pitchFamily="18" charset="0"/>
+                              </a:rPr>
+                              <m:t>𝜙</m:t>
+                            </m:r>
+                          </m:e>
+                          <m:sub>
+                            <m:r>
+                              <a:rPr lang="da-DK" b="0" i="1" smtClean="0">
+                                <a:latin typeface="Cambria Math" panose="02040503050406030204" pitchFamily="18" charset="0"/>
+                                <a:ea typeface="Cambria Math" panose="02040503050406030204" pitchFamily="18" charset="0"/>
+                              </a:rPr>
+                              <m:t>𝑛</m:t>
+                            </m:r>
+                          </m:sub>
+                        </m:sSub>
+                      </m:oMath>
+                    </m:oMathPara>
+                  </a14:m>
+                  <a:endParaRPr lang="en-DK" dirty="0"/>
+                </a:p>
+              </p:txBody>
+            </p:sp>
+          </mc:Choice>
+          <mc:Fallback>
+            <p:sp>
+              <p:nvSpPr>
+                <p:cNvPr id="20" name="Rectangle 19">
+                  <a:extLst>
+                    <a:ext uri="{FF2B5EF4-FFF2-40B4-BE49-F238E27FC236}">
+                      <a16:creationId xmlns:a16="http://schemas.microsoft.com/office/drawing/2014/main" id="{0AC5B84C-378E-DD43-A4BE-69F4256E6CEF}"/>
+                    </a:ext>
+                  </a:extLst>
+                </p:cNvPr>
+                <p:cNvSpPr>
+                  <a:spLocks noRot="1" noChangeAspect="1" noMove="1" noResize="1" noEditPoints="1" noAdjustHandles="1" noChangeArrowheads="1" noChangeShapeType="1" noTextEdit="1"/>
+                </p:cNvSpPr>
+                <p:nvPr/>
+              </p:nvSpPr>
+              <p:spPr>
+                <a:xfrm>
+                  <a:off x="2906105" y="2766080"/>
+                  <a:ext cx="507062" cy="369332"/>
+                </a:xfrm>
+                <a:prstGeom prst="rect">
+                  <a:avLst/>
+                </a:prstGeom>
+                <a:blipFill>
+                  <a:blip r:embed="rId6"/>
+                  <a:stretch>
+                    <a:fillRect b="-13333"/>
+                  </a:stretch>
+                </a:blipFill>
+              </p:spPr>
+              <p:txBody>
+                <a:bodyPr/>
+                <a:lstStyle/>
+                <a:p>
+                  <a:r>
+                    <a:rPr lang="en-DK">
+                      <a:noFill/>
+                    </a:rPr>
+                    <a:t> </a:t>
+                  </a:r>
+                </a:p>
+              </p:txBody>
+            </p:sp>
+          </mc:Fallback>
+        </mc:AlternateContent>
+        <mc:AlternateContent xmlns:mc="http://schemas.openxmlformats.org/markup-compatibility/2006">
+          <mc:Choice xmlns:a14="http://schemas.microsoft.com/office/drawing/2010/main" Requires="a14">
+            <p:sp>
+              <p:nvSpPr>
+                <p:cNvPr id="21" name="Oval 20">
+                  <a:extLst>
+                    <a:ext uri="{FF2B5EF4-FFF2-40B4-BE49-F238E27FC236}">
+                      <a16:creationId xmlns:a16="http://schemas.microsoft.com/office/drawing/2014/main" id="{BC3C200E-4D04-6F44-8E02-D03F349BC757}"/>
+                    </a:ext>
+                  </a:extLst>
+                </p:cNvPr>
+                <p:cNvSpPr/>
+                <p:nvPr/>
+              </p:nvSpPr>
+              <p:spPr>
+                <a:xfrm>
+                  <a:off x="4383857" y="3042972"/>
+                  <a:ext cx="618744" cy="618744"/>
+                </a:xfrm>
+                <a:prstGeom prst="ellipse">
+                  <a:avLst/>
+                </a:prstGeom>
+                <a:solidFill>
+                  <a:schemeClr val="bg1">
+                    <a:lumMod val="75000"/>
+                  </a:schemeClr>
+                </a:solidFill>
+                <a:ln>
+                  <a:solidFill>
+                    <a:schemeClr val="tx1"/>
+                  </a:solidFill>
+                </a:ln>
+              </p:spPr>
+              <p:style>
+                <a:lnRef idx="2">
+                  <a:schemeClr val="accent6"/>
+                </a:lnRef>
+                <a:fillRef idx="1">
+                  <a:schemeClr val="lt1"/>
+                </a:fillRef>
+                <a:effectRef idx="0">
+                  <a:schemeClr val="accent6"/>
+                </a:effectRef>
+                <a:fontRef idx="minor">
+                  <a:schemeClr val="dk1"/>
+                </a:fontRef>
+              </p:style>
+              <p:txBody>
+                <a:bodyPr rtlCol="0" anchor="ctr"/>
+                <a:lstStyle/>
+                <a:p>
+                  <a:pPr algn="ctr"/>
+                  <a14:m>
+                    <m:oMathPara xmlns:m="http://schemas.openxmlformats.org/officeDocument/2006/math">
+                      <m:oMathParaPr>
+                        <m:jc m:val="centerGroup"/>
+                      </m:oMathParaPr>
+                      <m:oMath xmlns:m="http://schemas.openxmlformats.org/officeDocument/2006/math">
+                        <m:sSub>
+                          <m:sSubPr>
+                            <m:ctrlPr>
+                              <a:rPr lang="da-DK" i="1" smtClean="0">
+                                <a:latin typeface="Cambria Math" panose="02040503050406030204" pitchFamily="18" charset="0"/>
+                                <a:ea typeface="Cambria Math" panose="02040503050406030204" pitchFamily="18" charset="0"/>
+                              </a:rPr>
+                            </m:ctrlPr>
+                          </m:sSubPr>
+                          <m:e>
+                            <m:r>
+                              <a:rPr lang="da-DK" b="0" i="1" smtClean="0">
+                                <a:latin typeface="Cambria Math" panose="02040503050406030204" pitchFamily="18" charset="0"/>
+                                <a:ea typeface="Cambria Math" panose="02040503050406030204" pitchFamily="18" charset="0"/>
+                              </a:rPr>
+                              <m:t>𝑝</m:t>
+                            </m:r>
+                          </m:e>
+                          <m:sub>
+                            <m:r>
+                              <a:rPr lang="da-DK" i="1">
+                                <a:latin typeface="Cambria Math" panose="02040503050406030204" pitchFamily="18" charset="0"/>
+                                <a:ea typeface="Cambria Math" panose="02040503050406030204" pitchFamily="18" charset="0"/>
+                              </a:rPr>
+                              <m:t>𝑛</m:t>
+                            </m:r>
+                          </m:sub>
+                        </m:sSub>
+                      </m:oMath>
+                    </m:oMathPara>
+                  </a14:m>
+                  <a:endParaRPr lang="en-DK" dirty="0"/>
+                </a:p>
+              </p:txBody>
+            </p:sp>
+          </mc:Choice>
+          <mc:Fallback>
+            <p:sp>
+              <p:nvSpPr>
+                <p:cNvPr id="21" name="Oval 20">
+                  <a:extLst>
+                    <a:ext uri="{FF2B5EF4-FFF2-40B4-BE49-F238E27FC236}">
+                      <a16:creationId xmlns:a16="http://schemas.microsoft.com/office/drawing/2014/main" id="{BC3C200E-4D04-6F44-8E02-D03F349BC757}"/>
+                    </a:ext>
+                  </a:extLst>
+                </p:cNvPr>
+                <p:cNvSpPr>
+                  <a:spLocks noRot="1" noChangeAspect="1" noMove="1" noResize="1" noEditPoints="1" noAdjustHandles="1" noChangeArrowheads="1" noChangeShapeType="1" noTextEdit="1"/>
+                </p:cNvSpPr>
+                <p:nvPr/>
+              </p:nvSpPr>
+              <p:spPr>
+                <a:xfrm>
+                  <a:off x="4383857" y="3042972"/>
+                  <a:ext cx="618744" cy="618744"/>
+                </a:xfrm>
+                <a:prstGeom prst="ellipse">
+                  <a:avLst/>
+                </a:prstGeom>
+                <a:blipFill>
+                  <a:blip r:embed="rId7"/>
+                  <a:stretch>
+                    <a:fillRect/>
+                  </a:stretch>
+                </a:blipFill>
+                <a:ln>
+                  <a:solidFill>
+                    <a:schemeClr val="tx1"/>
+                  </a:solidFill>
+                </a:ln>
+              </p:spPr>
+              <p:txBody>
+                <a:bodyPr/>
+                <a:lstStyle/>
+                <a:p>
+                  <a:r>
+                    <a:rPr lang="en-DK">
+                      <a:noFill/>
+                    </a:rPr>
+                    <a:t> </a:t>
+                  </a:r>
+                </a:p>
+              </p:txBody>
+            </p:sp>
+          </mc:Fallback>
+        </mc:AlternateContent>
+        <p:sp>
+          <p:nvSpPr>
+            <p:cNvPr id="24" name="TextBox 23">
+              <a:extLst>
+                <a:ext uri="{FF2B5EF4-FFF2-40B4-BE49-F238E27FC236}">
+                  <a16:creationId xmlns:a16="http://schemas.microsoft.com/office/drawing/2014/main" id="{ECD336C3-4B21-A34B-8335-F1C02ED50DCC}"/>
+                </a:ext>
+              </a:extLst>
+            </p:cNvPr>
+            <p:cNvSpPr txBox="1"/>
+            <p:nvPr/>
+          </p:nvSpPr>
+          <p:spPr>
+            <a:xfrm>
+              <a:off x="5486400" y="4649150"/>
+              <a:ext cx="609600" cy="369332"/>
+            </a:xfrm>
+            <a:prstGeom prst="rect">
+              <a:avLst/>
+            </a:prstGeom>
+            <a:noFill/>
+          </p:spPr>
+          <p:txBody>
+            <a:bodyPr wrap="square" rtlCol="0">
+              <a:spAutoFit/>
+            </a:bodyPr>
+            <a:lstStyle/>
+            <a:p>
+              <a:r>
+                <a:rPr lang="en-DK" b="1" dirty="0">
+                  <a:latin typeface="Helvetica" pitchFamily="2" charset="0"/>
+                </a:rPr>
+                <a:t>N</a:t>
+              </a:r>
+            </a:p>
+          </p:txBody>
+        </p:sp>
+        <p:cxnSp>
+          <p:nvCxnSpPr>
+            <p:cNvPr id="26" name="Straight Arrow Connector 25">
+              <a:extLst>
+                <a:ext uri="{FF2B5EF4-FFF2-40B4-BE49-F238E27FC236}">
+                  <a16:creationId xmlns:a16="http://schemas.microsoft.com/office/drawing/2014/main" id="{30CEAF7C-B787-EC47-BAA0-D0324D415D7C}"/>
+                </a:ext>
+              </a:extLst>
+            </p:cNvPr>
+            <p:cNvCxnSpPr>
+              <a:cxnSpLocks/>
+              <a:stCxn id="19" idx="6"/>
+              <a:endCxn id="21" idx="2"/>
+            </p:cNvCxnSpPr>
+            <p:nvPr/>
+          </p:nvCxnSpPr>
+          <p:spPr>
+            <a:xfrm>
+              <a:off x="3208501" y="3352344"/>
+              <a:ext cx="1175356" cy="0"/>
+            </a:xfrm>
+            <a:prstGeom prst="straightConnector1">
+              <a:avLst/>
+            </a:prstGeom>
+            <a:ln>
+              <a:tailEnd type="triangle"/>
+            </a:ln>
+          </p:spPr>
+          <p:style>
+            <a:lnRef idx="3">
+              <a:schemeClr val="dk1"/>
+            </a:lnRef>
+            <a:fillRef idx="0">
+              <a:schemeClr val="dk1"/>
+            </a:fillRef>
+            <a:effectRef idx="2">
+              <a:schemeClr val="dk1"/>
+            </a:effectRef>
+            <a:fontRef idx="minor">
+              <a:schemeClr val="tx1"/>
+            </a:fontRef>
+          </p:style>
+        </p:cxnSp>
+        <p:cxnSp>
+          <p:nvCxnSpPr>
+            <p:cNvPr id="28" name="Straight Arrow Connector 27">
+              <a:extLst>
+                <a:ext uri="{FF2B5EF4-FFF2-40B4-BE49-F238E27FC236}">
+                  <a16:creationId xmlns:a16="http://schemas.microsoft.com/office/drawing/2014/main" id="{52353507-7981-7844-88C7-66127184DC22}"/>
+                </a:ext>
+              </a:extLst>
+            </p:cNvPr>
+            <p:cNvCxnSpPr>
+              <a:cxnSpLocks/>
+              <a:stCxn id="21" idx="4"/>
+              <a:endCxn id="5" idx="0"/>
+            </p:cNvCxnSpPr>
+            <p:nvPr/>
+          </p:nvCxnSpPr>
+          <p:spPr>
+            <a:xfrm>
+              <a:off x="4693229" y="3661716"/>
+              <a:ext cx="0" cy="553356"/>
+            </a:xfrm>
+            <a:prstGeom prst="straightConnector1">
+              <a:avLst/>
+            </a:prstGeom>
+            <a:ln>
+              <a:tailEnd type="triangle"/>
+            </a:ln>
+          </p:spPr>
+          <p:style>
+            <a:lnRef idx="3">
+              <a:schemeClr val="dk1"/>
+            </a:lnRef>
+            <a:fillRef idx="0">
+              <a:schemeClr val="dk1"/>
+            </a:fillRef>
+            <a:effectRef idx="2">
+              <a:schemeClr val="dk1"/>
+            </a:effectRef>
+            <a:fontRef idx="minor">
+              <a:schemeClr val="tx1"/>
+            </a:fontRef>
+          </p:style>
+        </p:cxnSp>
+        <p:cxnSp>
+          <p:nvCxnSpPr>
+            <p:cNvPr id="31" name="Straight Arrow Connector 30">
+              <a:extLst>
+                <a:ext uri="{FF2B5EF4-FFF2-40B4-BE49-F238E27FC236}">
+                  <a16:creationId xmlns:a16="http://schemas.microsoft.com/office/drawing/2014/main" id="{FA0EE5B8-21B8-8346-A33B-446A35D22D57}"/>
+                </a:ext>
+              </a:extLst>
+            </p:cNvPr>
+            <p:cNvCxnSpPr>
+              <a:cxnSpLocks/>
+              <a:stCxn id="6" idx="4"/>
+              <a:endCxn id="21" idx="0"/>
+            </p:cNvCxnSpPr>
+            <p:nvPr/>
+          </p:nvCxnSpPr>
+          <p:spPr>
+            <a:xfrm>
+              <a:off x="4693229" y="1869691"/>
+              <a:ext cx="0" cy="1173281"/>
+            </a:xfrm>
+            <a:prstGeom prst="straightConnector1">
+              <a:avLst/>
+            </a:prstGeom>
+            <a:ln>
+              <a:tailEnd type="triangle"/>
+            </a:ln>
+          </p:spPr>
+          <p:style>
+            <a:lnRef idx="3">
+              <a:schemeClr val="dk1"/>
+            </a:lnRef>
+            <a:fillRef idx="0">
+              <a:schemeClr val="dk1"/>
+            </a:fillRef>
+            <a:effectRef idx="2">
+              <a:schemeClr val="dk1"/>
+            </a:effectRef>
+            <a:fontRef idx="minor">
+              <a:schemeClr val="tx1"/>
+            </a:fontRef>
+          </p:style>
+        </p:cxnSp>
+        <p:cxnSp>
+          <p:nvCxnSpPr>
+            <p:cNvPr id="37" name="Straight Arrow Connector 36">
+              <a:extLst>
+                <a:ext uri="{FF2B5EF4-FFF2-40B4-BE49-F238E27FC236}">
+                  <a16:creationId xmlns:a16="http://schemas.microsoft.com/office/drawing/2014/main" id="{B751A071-3CEC-8445-ACB5-99BED2B7BEBE}"/>
+                </a:ext>
+              </a:extLst>
+            </p:cNvPr>
+            <p:cNvCxnSpPr>
+              <a:cxnSpLocks/>
+              <a:stCxn id="9" idx="2"/>
+              <a:endCxn id="21" idx="6"/>
+            </p:cNvCxnSpPr>
+            <p:nvPr/>
+          </p:nvCxnSpPr>
+          <p:spPr>
+            <a:xfrm flipH="1">
+              <a:off x="5002601" y="3348963"/>
+              <a:ext cx="1810963" cy="3381"/>
+            </a:xfrm>
+            <a:prstGeom prst="straightConnector1">
+              <a:avLst/>
+            </a:prstGeom>
+            <a:ln>
+              <a:tailEnd type="triangle"/>
+            </a:ln>
+          </p:spPr>
+          <p:style>
+            <a:lnRef idx="3">
+              <a:schemeClr val="dk1"/>
+            </a:lnRef>
+            <a:fillRef idx="0">
+              <a:schemeClr val="dk1"/>
+            </a:fillRef>
+            <a:effectRef idx="2">
+              <a:schemeClr val="dk1"/>
+            </a:effectRef>
+            <a:fontRef idx="minor">
+              <a:schemeClr val="tx1"/>
+            </a:fontRef>
+          </p:style>
+        </p:cxnSp>
+        <p:sp>
+          <p:nvSpPr>
+            <p:cNvPr id="40" name="Oval 39">
+              <a:extLst>
+                <a:ext uri="{FF2B5EF4-FFF2-40B4-BE49-F238E27FC236}">
+                  <a16:creationId xmlns:a16="http://schemas.microsoft.com/office/drawing/2014/main" id="{6C68AD02-60DB-7147-AC0A-02CBB830639E}"/>
+                </a:ext>
+              </a:extLst>
+            </p:cNvPr>
+            <p:cNvSpPr/>
+            <p:nvPr/>
+          </p:nvSpPr>
+          <p:spPr>
+            <a:xfrm>
+              <a:off x="8479295" y="3773073"/>
+              <a:ext cx="304800" cy="304800"/>
+            </a:xfrm>
+            <a:prstGeom prst="ellipse">
+              <a:avLst/>
+            </a:prstGeom>
+            <a:ln>
+              <a:solidFill>
+                <a:schemeClr val="tx1"/>
+              </a:solidFill>
+            </a:ln>
+          </p:spPr>
+          <p:style>
+            <a:lnRef idx="2">
+              <a:schemeClr val="dk1">
+                <a:shade val="50000"/>
+              </a:schemeClr>
+            </a:lnRef>
+            <a:fillRef idx="1">
+              <a:schemeClr val="dk1"/>
+            </a:fillRef>
+            <a:effectRef idx="0">
+              <a:schemeClr val="dk1"/>
+            </a:effectRef>
+            <a:fontRef idx="minor">
+              <a:schemeClr val="lt1"/>
+            </a:fontRef>
+          </p:style>
+          <p:txBody>
+            <a:bodyPr rtlCol="0" anchor="ctr"/>
+            <a:lstStyle/>
+            <a:p>
+              <a:pPr algn="ctr"/>
+              <a:endParaRPr lang="en-DK"/>
+            </a:p>
+          </p:txBody>
+        </p:sp>
+        <mc:AlternateContent xmlns:mc="http://schemas.openxmlformats.org/markup-compatibility/2006">
+          <mc:Choice xmlns:a14="http://schemas.microsoft.com/office/drawing/2010/main" Requires="a14">
+            <p:sp>
+              <p:nvSpPr>
+                <p:cNvPr id="41" name="Rectangle 40">
+                  <a:extLst>
+                    <a:ext uri="{FF2B5EF4-FFF2-40B4-BE49-F238E27FC236}">
+                      <a16:creationId xmlns:a16="http://schemas.microsoft.com/office/drawing/2014/main" id="{72D187F3-3C94-CC4A-8080-EC26F7FA6C77}"/>
+                    </a:ext>
+                  </a:extLst>
+                </p:cNvPr>
+                <p:cNvSpPr/>
+                <p:nvPr/>
+              </p:nvSpPr>
+              <p:spPr>
+                <a:xfrm>
+                  <a:off x="8790893" y="3740807"/>
+                  <a:ext cx="370422" cy="369332"/>
+                </a:xfrm>
+                <a:prstGeom prst="rect">
+                  <a:avLst/>
+                </a:prstGeom>
+              </p:spPr>
+              <p:txBody>
+                <a:bodyPr wrap="none">
+                  <a:spAutoFit/>
+                </a:bodyPr>
+                <a:lstStyle/>
+                <a:p>
+                  <a:pPr algn="ctr"/>
+                  <a14:m>
+                    <m:oMathPara xmlns:m="http://schemas.openxmlformats.org/officeDocument/2006/math">
+                      <m:oMathParaPr>
+                        <m:jc m:val="centerGroup"/>
+                      </m:oMathParaPr>
+                      <m:oMath xmlns:m="http://schemas.openxmlformats.org/officeDocument/2006/math">
+                        <m:r>
+                          <a:rPr lang="en-DK" i="1" smtClean="0">
+                            <a:latin typeface="Cambria Math" panose="02040503050406030204" pitchFamily="18" charset="0"/>
+                            <a:ea typeface="Cambria Math" panose="02040503050406030204" pitchFamily="18" charset="0"/>
+                          </a:rPr>
+                          <m:t>𝜇</m:t>
+                        </m:r>
+                      </m:oMath>
+                    </m:oMathPara>
+                  </a14:m>
+                  <a:endParaRPr lang="en-DK" dirty="0"/>
+                </a:p>
+              </p:txBody>
+            </p:sp>
+          </mc:Choice>
+          <mc:Fallback>
+            <p:sp>
+              <p:nvSpPr>
+                <p:cNvPr id="41" name="Rectangle 40">
+                  <a:extLst>
+                    <a:ext uri="{FF2B5EF4-FFF2-40B4-BE49-F238E27FC236}">
+                      <a16:creationId xmlns:a16="http://schemas.microsoft.com/office/drawing/2014/main" id="{72D187F3-3C94-CC4A-8080-EC26F7FA6C77}"/>
+                    </a:ext>
+                  </a:extLst>
+                </p:cNvPr>
+                <p:cNvSpPr>
+                  <a:spLocks noRot="1" noChangeAspect="1" noMove="1" noResize="1" noEditPoints="1" noAdjustHandles="1" noChangeArrowheads="1" noChangeShapeType="1" noTextEdit="1"/>
+                </p:cNvSpPr>
+                <p:nvPr/>
+              </p:nvSpPr>
+              <p:spPr>
+                <a:xfrm>
+                  <a:off x="8790893" y="3740807"/>
+                  <a:ext cx="370422" cy="369332"/>
+                </a:xfrm>
+                <a:prstGeom prst="rect">
+                  <a:avLst/>
+                </a:prstGeom>
+                <a:blipFill>
+                  <a:blip r:embed="rId8"/>
+                  <a:stretch>
+                    <a:fillRect b="-6667"/>
+                  </a:stretch>
+                </a:blipFill>
+              </p:spPr>
+              <p:txBody>
+                <a:bodyPr/>
+                <a:lstStyle/>
+                <a:p>
+                  <a:r>
+                    <a:rPr lang="en-DK">
+                      <a:noFill/>
+                    </a:rPr>
+                    <a:t> </a:t>
+                  </a:r>
+                </a:p>
+              </p:txBody>
+            </p:sp>
+          </mc:Fallback>
+        </mc:AlternateContent>
+        <p:cxnSp>
+          <p:nvCxnSpPr>
+            <p:cNvPr id="43" name="Straight Arrow Connector 42">
+              <a:extLst>
+                <a:ext uri="{FF2B5EF4-FFF2-40B4-BE49-F238E27FC236}">
+                  <a16:creationId xmlns:a16="http://schemas.microsoft.com/office/drawing/2014/main" id="{736E019F-43CA-7141-AC24-01A3EA30B317}"/>
+                </a:ext>
+              </a:extLst>
+            </p:cNvPr>
+            <p:cNvCxnSpPr>
+              <a:stCxn id="11" idx="2"/>
+              <a:endCxn id="9" idx="6"/>
+            </p:cNvCxnSpPr>
+            <p:nvPr/>
+          </p:nvCxnSpPr>
+          <p:spPr>
+            <a:xfrm flipH="1">
+              <a:off x="7432308" y="3011597"/>
+              <a:ext cx="1046987" cy="337366"/>
+            </a:xfrm>
+            <a:prstGeom prst="straightConnector1">
+              <a:avLst/>
+            </a:prstGeom>
+            <a:ln>
+              <a:tailEnd type="triangle"/>
+            </a:ln>
+          </p:spPr>
+          <p:style>
+            <a:lnRef idx="3">
+              <a:schemeClr val="dk1"/>
+            </a:lnRef>
+            <a:fillRef idx="0">
+              <a:schemeClr val="dk1"/>
+            </a:fillRef>
+            <a:effectRef idx="2">
+              <a:schemeClr val="dk1"/>
+            </a:effectRef>
+            <a:fontRef idx="minor">
+              <a:schemeClr val="tx1"/>
+            </a:fontRef>
+          </p:style>
+        </p:cxnSp>
+        <p:cxnSp>
+          <p:nvCxnSpPr>
+            <p:cNvPr id="45" name="Straight Arrow Connector 44">
+              <a:extLst>
+                <a:ext uri="{FF2B5EF4-FFF2-40B4-BE49-F238E27FC236}">
+                  <a16:creationId xmlns:a16="http://schemas.microsoft.com/office/drawing/2014/main" id="{7F1052E0-F0BF-B84F-B9FC-2110EB871503}"/>
+                </a:ext>
+              </a:extLst>
+            </p:cNvPr>
+            <p:cNvCxnSpPr>
+              <a:cxnSpLocks/>
+              <a:stCxn id="40" idx="2"/>
+              <a:endCxn id="9" idx="6"/>
+            </p:cNvCxnSpPr>
+            <p:nvPr/>
+          </p:nvCxnSpPr>
+          <p:spPr>
+            <a:xfrm flipH="1" flipV="1">
+              <a:off x="7432308" y="3348963"/>
+              <a:ext cx="1046987" cy="576510"/>
+            </a:xfrm>
+            <a:prstGeom prst="straightConnector1">
+              <a:avLst/>
+            </a:prstGeom>
+            <a:ln>
+              <a:tailEnd type="triangle"/>
+            </a:ln>
+          </p:spPr>
+          <p:style>
+            <a:lnRef idx="3">
+              <a:schemeClr val="dk1"/>
+            </a:lnRef>
+            <a:fillRef idx="0">
+              <a:schemeClr val="dk1"/>
+            </a:fillRef>
+            <a:effectRef idx="2">
+              <a:schemeClr val="dk1"/>
+            </a:effectRef>
+            <a:fontRef idx="minor">
+              <a:schemeClr val="tx1"/>
+            </a:fontRef>
+          </p:style>
+        </p:cxnSp>
+        <p:sp>
+          <p:nvSpPr>
+            <p:cNvPr id="29" name="TextBox 28">
+              <a:extLst>
+                <a:ext uri="{FF2B5EF4-FFF2-40B4-BE49-F238E27FC236}">
+                  <a16:creationId xmlns:a16="http://schemas.microsoft.com/office/drawing/2014/main" id="{05DF152E-3963-E14F-B5AF-5D0B444F2D32}"/>
+                </a:ext>
+              </a:extLst>
+            </p:cNvPr>
+            <p:cNvSpPr txBox="1"/>
+            <p:nvPr/>
+          </p:nvSpPr>
+          <p:spPr>
+            <a:xfrm>
+              <a:off x="7401723" y="3708174"/>
+              <a:ext cx="443350" cy="369332"/>
+            </a:xfrm>
+            <a:prstGeom prst="rect">
+              <a:avLst/>
+            </a:prstGeom>
+            <a:noFill/>
+          </p:spPr>
+          <p:txBody>
+            <a:bodyPr wrap="square" rtlCol="0">
+              <a:spAutoFit/>
+            </a:bodyPr>
+            <a:lstStyle/>
+            <a:p>
+              <a:r>
+                <a:rPr lang="en-DK" b="1" dirty="0">
+                  <a:latin typeface="Helvetica" pitchFamily="2" charset="0"/>
+                </a:rPr>
+                <a:t>K</a:t>
+              </a:r>
+            </a:p>
+          </p:txBody>
+        </p:sp>
+        <p:sp>
+          <p:nvSpPr>
+            <p:cNvPr id="53" name="Oval 52">
+              <a:extLst>
+                <a:ext uri="{FF2B5EF4-FFF2-40B4-BE49-F238E27FC236}">
+                  <a16:creationId xmlns:a16="http://schemas.microsoft.com/office/drawing/2014/main" id="{7813B668-99E0-434B-93E8-2AC91BA0C305}"/>
+                </a:ext>
+              </a:extLst>
+            </p:cNvPr>
+            <p:cNvSpPr/>
+            <p:nvPr/>
+          </p:nvSpPr>
+          <p:spPr>
+            <a:xfrm>
+              <a:off x="4540829" y="5739243"/>
+              <a:ext cx="304800" cy="304800"/>
+            </a:xfrm>
+            <a:prstGeom prst="ellipse">
+              <a:avLst/>
+            </a:prstGeom>
+            <a:ln>
+              <a:solidFill>
+                <a:schemeClr val="tx1"/>
+              </a:solidFill>
+            </a:ln>
+          </p:spPr>
+          <p:style>
+            <a:lnRef idx="2">
+              <a:schemeClr val="dk1">
+                <a:shade val="50000"/>
+              </a:schemeClr>
+            </a:lnRef>
+            <a:fillRef idx="1">
+              <a:schemeClr val="dk1"/>
+            </a:fillRef>
+            <a:effectRef idx="0">
+              <a:schemeClr val="dk1"/>
+            </a:effectRef>
+            <a:fontRef idx="minor">
+              <a:schemeClr val="lt1"/>
+            </a:fontRef>
+          </p:style>
+          <p:txBody>
+            <a:bodyPr rtlCol="0" anchor="ctr"/>
+            <a:lstStyle/>
+            <a:p>
+              <a:pPr algn="ctr"/>
+              <a:endParaRPr lang="en-DK"/>
+            </a:p>
+          </p:txBody>
+        </p:sp>
+        <mc:AlternateContent xmlns:mc="http://schemas.openxmlformats.org/markup-compatibility/2006">
+          <mc:Choice xmlns:a14="http://schemas.microsoft.com/office/drawing/2010/main" Requires="a14">
+            <p:sp>
+              <p:nvSpPr>
+                <p:cNvPr id="54" name="Rectangle 53">
+                  <a:extLst>
+                    <a:ext uri="{FF2B5EF4-FFF2-40B4-BE49-F238E27FC236}">
+                      <a16:creationId xmlns:a16="http://schemas.microsoft.com/office/drawing/2014/main" id="{A75D4216-13C7-944F-9A01-CAE2FD1DCC3B}"/>
+                    </a:ext>
+                  </a:extLst>
+                </p:cNvPr>
+                <p:cNvSpPr/>
+                <p:nvPr/>
+              </p:nvSpPr>
+              <p:spPr>
+                <a:xfrm>
+                  <a:off x="4290670" y="5706977"/>
+                  <a:ext cx="304801" cy="369332"/>
+                </a:xfrm>
+                <a:prstGeom prst="rect">
+                  <a:avLst/>
+                </a:prstGeom>
+              </p:spPr>
+              <p:txBody>
+                <a:bodyPr wrap="square">
+                  <a:spAutoFit/>
+                </a:bodyPr>
+                <a:lstStyle/>
+                <a:p>
+                  <a:pPr algn="ctr"/>
+                  <a14:m>
+                    <m:oMathPara xmlns:m="http://schemas.openxmlformats.org/officeDocument/2006/math">
+                      <m:oMathParaPr>
+                        <m:jc m:val="centerGroup"/>
+                      </m:oMathParaPr>
+                      <m:oMath xmlns:m="http://schemas.openxmlformats.org/officeDocument/2006/math">
+                        <m:r>
+                          <a:rPr lang="da-DK" b="0" i="1" smtClean="0">
+                            <a:latin typeface="Cambria Math" panose="02040503050406030204" pitchFamily="18" charset="0"/>
+                          </a:rPr>
+                          <m:t>𝑟</m:t>
+                        </m:r>
+                      </m:oMath>
+                    </m:oMathPara>
+                  </a14:m>
+                  <a:endParaRPr lang="en-DK" dirty="0"/>
+                </a:p>
+              </p:txBody>
+            </p:sp>
+          </mc:Choice>
+          <mc:Fallback>
+            <p:sp>
+              <p:nvSpPr>
+                <p:cNvPr id="54" name="Rectangle 53">
+                  <a:extLst>
+                    <a:ext uri="{FF2B5EF4-FFF2-40B4-BE49-F238E27FC236}">
+                      <a16:creationId xmlns:a16="http://schemas.microsoft.com/office/drawing/2014/main" id="{A75D4216-13C7-944F-9A01-CAE2FD1DCC3B}"/>
+                    </a:ext>
+                  </a:extLst>
+                </p:cNvPr>
+                <p:cNvSpPr>
+                  <a:spLocks noRot="1" noChangeAspect="1" noMove="1" noResize="1" noEditPoints="1" noAdjustHandles="1" noChangeArrowheads="1" noChangeShapeType="1" noTextEdit="1"/>
+                </p:cNvSpPr>
+                <p:nvPr/>
+              </p:nvSpPr>
+              <p:spPr>
+                <a:xfrm>
+                  <a:off x="4290670" y="5706977"/>
+                  <a:ext cx="304801" cy="369332"/>
+                </a:xfrm>
+                <a:prstGeom prst="rect">
+                  <a:avLst/>
+                </a:prstGeom>
+                <a:blipFill>
+                  <a:blip r:embed="rId9"/>
+                  <a:stretch>
+                    <a:fillRect/>
+                  </a:stretch>
+                </a:blipFill>
+              </p:spPr>
+              <p:txBody>
+                <a:bodyPr/>
+                <a:lstStyle/>
+                <a:p>
+                  <a:r>
+                    <a:rPr lang="en-DK">
+                      <a:noFill/>
+                    </a:rPr>
+                    <a:t> </a:t>
+                  </a:r>
+                </a:p>
+              </p:txBody>
+            </p:sp>
+          </mc:Fallback>
+        </mc:AlternateContent>
+        <p:cxnSp>
+          <p:nvCxnSpPr>
+            <p:cNvPr id="55" name="Straight Arrow Connector 54">
+              <a:extLst>
+                <a:ext uri="{FF2B5EF4-FFF2-40B4-BE49-F238E27FC236}">
+                  <a16:creationId xmlns:a16="http://schemas.microsoft.com/office/drawing/2014/main" id="{18F57074-680B-7343-9862-55910263DC81}"/>
+                </a:ext>
+              </a:extLst>
+            </p:cNvPr>
+            <p:cNvCxnSpPr>
+              <a:cxnSpLocks/>
+              <a:stCxn id="53" idx="0"/>
+              <a:endCxn id="5" idx="4"/>
+            </p:cNvCxnSpPr>
+            <p:nvPr/>
+          </p:nvCxnSpPr>
+          <p:spPr>
+            <a:xfrm flipV="1">
+              <a:off x="4693229" y="4833816"/>
+              <a:ext cx="0" cy="905427"/>
+            </a:xfrm>
+            <a:prstGeom prst="straightConnector1">
+              <a:avLst/>
+            </a:prstGeom>
+            <a:ln>
+              <a:tailEnd type="triangle"/>
+            </a:ln>
+          </p:spPr>
+          <p:style>
+            <a:lnRef idx="3">
+              <a:schemeClr val="dk1"/>
+            </a:lnRef>
+            <a:fillRef idx="0">
+              <a:schemeClr val="dk1"/>
+            </a:fillRef>
+            <a:effectRef idx="2">
+              <a:schemeClr val="dk1"/>
+            </a:effectRef>
+            <a:fontRef idx="minor">
+              <a:schemeClr val="tx1"/>
+            </a:fontRef>
+          </p:style>
+        </p:cxnSp>
+        <p:sp>
+          <p:nvSpPr>
+            <p:cNvPr id="61" name="Oval 60">
+              <a:extLst>
+                <a:ext uri="{FF2B5EF4-FFF2-40B4-BE49-F238E27FC236}">
+                  <a16:creationId xmlns:a16="http://schemas.microsoft.com/office/drawing/2014/main" id="{CA2DC18E-5766-A04F-96AB-FB20CD2C9E59}"/>
+                </a:ext>
+              </a:extLst>
+            </p:cNvPr>
+            <p:cNvSpPr/>
+            <p:nvPr/>
+          </p:nvSpPr>
+          <p:spPr>
+            <a:xfrm>
+              <a:off x="1373096" y="3199944"/>
+              <a:ext cx="304800" cy="304800"/>
+            </a:xfrm>
+            <a:prstGeom prst="ellipse">
+              <a:avLst/>
+            </a:prstGeom>
+            <a:ln>
+              <a:solidFill>
+                <a:schemeClr val="tx1"/>
+              </a:solidFill>
+            </a:ln>
+          </p:spPr>
+          <p:style>
+            <a:lnRef idx="2">
+              <a:schemeClr val="dk1">
+                <a:shade val="50000"/>
+              </a:schemeClr>
+            </a:lnRef>
+            <a:fillRef idx="1">
+              <a:schemeClr val="dk1"/>
+            </a:fillRef>
+            <a:effectRef idx="0">
+              <a:schemeClr val="dk1"/>
+            </a:effectRef>
+            <a:fontRef idx="minor">
+              <a:schemeClr val="lt1"/>
+            </a:fontRef>
+          </p:style>
+          <p:txBody>
+            <a:bodyPr rtlCol="0" anchor="ctr"/>
+            <a:lstStyle/>
+            <a:p>
+              <a:pPr algn="ctr"/>
+              <a:endParaRPr lang="en-DK"/>
+            </a:p>
+          </p:txBody>
+        </p:sp>
+        <mc:AlternateContent xmlns:mc="http://schemas.openxmlformats.org/markup-compatibility/2006">
+          <mc:Choice xmlns:a14="http://schemas.microsoft.com/office/drawing/2010/main" Requires="a14">
+            <p:sp>
+              <p:nvSpPr>
+                <p:cNvPr id="62" name="Rectangle 61">
+                  <a:extLst>
+                    <a:ext uri="{FF2B5EF4-FFF2-40B4-BE49-F238E27FC236}">
+                      <a16:creationId xmlns:a16="http://schemas.microsoft.com/office/drawing/2014/main" id="{13EB7065-63DB-B342-AB4F-8291C3CC4E7C}"/>
+                    </a:ext>
+                  </a:extLst>
+                </p:cNvPr>
+                <p:cNvSpPr/>
+                <p:nvPr/>
+              </p:nvSpPr>
+              <p:spPr>
+                <a:xfrm>
+                  <a:off x="1365050" y="2826931"/>
+                  <a:ext cx="377860" cy="369332"/>
+                </a:xfrm>
+                <a:prstGeom prst="rect">
+                  <a:avLst/>
+                </a:prstGeom>
+              </p:spPr>
+              <p:txBody>
+                <a:bodyPr wrap="none">
+                  <a:spAutoFit/>
+                </a:bodyPr>
+                <a:lstStyle/>
+                <a:p>
+                  <a:pPr algn="ctr"/>
+                  <a14:m>
+                    <m:oMathPara xmlns:m="http://schemas.openxmlformats.org/officeDocument/2006/math">
+                      <m:oMathParaPr>
+                        <m:jc m:val="centerGroup"/>
+                      </m:oMathParaPr>
+                      <m:oMath xmlns:m="http://schemas.openxmlformats.org/officeDocument/2006/math">
+                        <m:r>
+                          <a:rPr lang="da-DK" b="0" i="1" smtClean="0">
+                            <a:latin typeface="Cambria Math" panose="02040503050406030204" pitchFamily="18" charset="0"/>
+                          </a:rPr>
+                          <m:t>𝜎</m:t>
+                        </m:r>
+                      </m:oMath>
+                    </m:oMathPara>
+                  </a14:m>
+                  <a:endParaRPr lang="en-DK" dirty="0"/>
+                </a:p>
+              </p:txBody>
+            </p:sp>
+          </mc:Choice>
+          <mc:Fallback>
+            <p:sp>
+              <p:nvSpPr>
+                <p:cNvPr id="62" name="Rectangle 61">
+                  <a:extLst>
+                    <a:ext uri="{FF2B5EF4-FFF2-40B4-BE49-F238E27FC236}">
+                      <a16:creationId xmlns:a16="http://schemas.microsoft.com/office/drawing/2014/main" id="{13EB7065-63DB-B342-AB4F-8291C3CC4E7C}"/>
+                    </a:ext>
+                  </a:extLst>
+                </p:cNvPr>
+                <p:cNvSpPr>
+                  <a:spLocks noRot="1" noChangeAspect="1" noMove="1" noResize="1" noEditPoints="1" noAdjustHandles="1" noChangeArrowheads="1" noChangeShapeType="1" noTextEdit="1"/>
+                </p:cNvSpPr>
+                <p:nvPr/>
+              </p:nvSpPr>
+              <p:spPr>
+                <a:xfrm>
+                  <a:off x="1365050" y="2826931"/>
+                  <a:ext cx="377860" cy="369332"/>
+                </a:xfrm>
+                <a:prstGeom prst="rect">
+                  <a:avLst/>
+                </a:prstGeom>
+                <a:blipFill>
+                  <a:blip r:embed="rId10"/>
+                  <a:stretch>
+                    <a:fillRect/>
+                  </a:stretch>
+                </a:blipFill>
+              </p:spPr>
+              <p:txBody>
+                <a:bodyPr/>
+                <a:lstStyle/>
+                <a:p>
+                  <a:r>
+                    <a:rPr lang="en-DK">
+                      <a:noFill/>
+                    </a:rPr>
+                    <a:t> </a:t>
+                  </a:r>
+                </a:p>
+              </p:txBody>
+            </p:sp>
+          </mc:Fallback>
+        </mc:AlternateContent>
+        <p:cxnSp>
+          <p:nvCxnSpPr>
+            <p:cNvPr id="63" name="Straight Arrow Connector 62">
+              <a:extLst>
+                <a:ext uri="{FF2B5EF4-FFF2-40B4-BE49-F238E27FC236}">
+                  <a16:creationId xmlns:a16="http://schemas.microsoft.com/office/drawing/2014/main" id="{4EC07153-109A-0049-8353-5F594477F67E}"/>
+                </a:ext>
+              </a:extLst>
+            </p:cNvPr>
+            <p:cNvCxnSpPr>
+              <a:cxnSpLocks/>
+              <a:stCxn id="61" idx="6"/>
+              <a:endCxn id="19" idx="2"/>
+            </p:cNvCxnSpPr>
+            <p:nvPr/>
+          </p:nvCxnSpPr>
+          <p:spPr>
+            <a:xfrm>
+              <a:off x="1677896" y="3352344"/>
+              <a:ext cx="1225805" cy="0"/>
+            </a:xfrm>
+            <a:prstGeom prst="straightConnector1">
+              <a:avLst/>
+            </a:prstGeom>
+            <a:ln>
+              <a:tailEnd type="triangle"/>
+            </a:ln>
+          </p:spPr>
+          <p:style>
+            <a:lnRef idx="3">
+              <a:schemeClr val="dk1"/>
+            </a:lnRef>
+            <a:fillRef idx="0">
+              <a:schemeClr val="dk1"/>
+            </a:fillRef>
+            <a:effectRef idx="2">
+              <a:schemeClr val="dk1"/>
+            </a:effectRef>
+            <a:fontRef idx="minor">
+              <a:schemeClr val="tx1"/>
+            </a:fontRef>
+          </p:style>
+        </p:cxnSp>
+      </p:grpSp>
+    </p:spTree>
+    <p:extLst>
+      <p:ext uri="{BB962C8B-B14F-4D97-AF65-F5344CB8AC3E}">
+        <p14:creationId xmlns:p14="http://schemas.microsoft.com/office/powerpoint/2010/main" val="3355508778"/>
       </p:ext>
     </p:extLst>
   </p:cSld>
